--- a/ppt 16-9/0480.保惠师来.pptx
+++ b/ppt 16-9/0480.保惠师来.pptx
@@ -5,7 +5,7 @@
     <p:sldMasterId id="2147483648" r:id="rId1"/>
   </p:sldMasterIdLst>
   <p:sldIdLst>
-    <p:sldId id="2986" r:id="rId2"/>
+    <p:sldId id="2987" r:id="rId2"/>
   </p:sldIdLst>
   <p:sldSz cx="12192000" cy="6858000"/>
   <p:notesSz cx="6858000" cy="9144000"/>
@@ -129,7 +129,7 @@
           <p:cNvPr id="2" name="标题 1">
             <a:extLst>
               <a:ext uri="{FF2B5EF4-FFF2-40B4-BE49-F238E27FC236}">
-                <a16:creationId xmlns:a16="http://schemas.microsoft.com/office/drawing/2014/main" id="{3F898DC9-B676-8F91-6500-ECEA8CC76697}"/>
+                <a16:creationId xmlns:a16="http://schemas.microsoft.com/office/drawing/2014/main" id="{B3655845-075A-DFA9-BE6D-29E3BB0B62E9}"/>
               </a:ext>
             </a:extLst>
           </p:cNvPr>
@@ -166,7 +166,7 @@
           <p:cNvPr id="3" name="副标题 2">
             <a:extLst>
               <a:ext uri="{FF2B5EF4-FFF2-40B4-BE49-F238E27FC236}">
-                <a16:creationId xmlns:a16="http://schemas.microsoft.com/office/drawing/2014/main" id="{2B442A5B-B56F-17D1-79B0-3FE45A762673}"/>
+                <a16:creationId xmlns:a16="http://schemas.microsoft.com/office/drawing/2014/main" id="{F617FD00-0834-034B-FDBA-04D0DD614ADC}"/>
               </a:ext>
             </a:extLst>
           </p:cNvPr>
@@ -236,7 +236,7 @@
           <p:cNvPr id="4" name="日期占位符 3">
             <a:extLst>
               <a:ext uri="{FF2B5EF4-FFF2-40B4-BE49-F238E27FC236}">
-                <a16:creationId xmlns:a16="http://schemas.microsoft.com/office/drawing/2014/main" id="{E0F2D73B-3AFE-C343-4489-AEE1A9D28796}"/>
+                <a16:creationId xmlns:a16="http://schemas.microsoft.com/office/drawing/2014/main" id="{25F6AFFB-90AB-0507-8150-D4D5D21226FD}"/>
               </a:ext>
             </a:extLst>
           </p:cNvPr>
@@ -252,7 +252,7 @@
           <a:bodyPr/>
           <a:lstStyle/>
           <a:p>
-            <a:fld id="{D2705F65-A8D3-4A6F-A067-002A278C224C}" type="datetimeFigureOut">
+            <a:fld id="{6B5E9A5A-5566-49E6-A9EB-147B08505195}" type="datetimeFigureOut">
               <a:rPr lang="zh-CN" altLang="en-US" smtClean="0"/>
               <a:t>2024/3/10</a:t>
             </a:fld>
@@ -265,7 +265,7 @@
           <p:cNvPr id="5" name="页脚占位符 4">
             <a:extLst>
               <a:ext uri="{FF2B5EF4-FFF2-40B4-BE49-F238E27FC236}">
-                <a16:creationId xmlns:a16="http://schemas.microsoft.com/office/drawing/2014/main" id="{BD6CFAA0-4203-D944-609B-38ED2BF237E3}"/>
+                <a16:creationId xmlns:a16="http://schemas.microsoft.com/office/drawing/2014/main" id="{FF1F3488-C9CA-2B49-F18E-64373F701282}"/>
               </a:ext>
             </a:extLst>
           </p:cNvPr>
@@ -290,7 +290,7 @@
           <p:cNvPr id="6" name="灯片编号占位符 5">
             <a:extLst>
               <a:ext uri="{FF2B5EF4-FFF2-40B4-BE49-F238E27FC236}">
-                <a16:creationId xmlns:a16="http://schemas.microsoft.com/office/drawing/2014/main" id="{87E52420-E1CD-C876-7E81-F2D09F62A4B4}"/>
+                <a16:creationId xmlns:a16="http://schemas.microsoft.com/office/drawing/2014/main" id="{D50AD2E7-D9FA-3D5B-503D-EE642FAD172D}"/>
               </a:ext>
             </a:extLst>
           </p:cNvPr>
@@ -306,7 +306,7 @@
           <a:bodyPr/>
           <a:lstStyle/>
           <a:p>
-            <a:fld id="{382EC6F1-7937-4360-B7C5-AA26026CAB70}" type="slidenum">
+            <a:fld id="{7C6620F6-79AE-4275-94A7-62EB65E7CE39}" type="slidenum">
               <a:rPr lang="zh-CN" altLang="en-US" smtClean="0"/>
               <a:t>‹#›</a:t>
             </a:fld>
@@ -317,7 +317,7 @@
     </p:spTree>
     <p:extLst>
       <p:ext uri="{BB962C8B-B14F-4D97-AF65-F5344CB8AC3E}">
-        <p14:creationId xmlns:p14="http://schemas.microsoft.com/office/powerpoint/2010/main" val="2553441792"/>
+        <p14:creationId xmlns:p14="http://schemas.microsoft.com/office/powerpoint/2010/main" val="1341495793"/>
       </p:ext>
     </p:extLst>
   </p:cSld>
@@ -349,7 +349,7 @@
           <p:cNvPr id="2" name="标题 1">
             <a:extLst>
               <a:ext uri="{FF2B5EF4-FFF2-40B4-BE49-F238E27FC236}">
-                <a16:creationId xmlns:a16="http://schemas.microsoft.com/office/drawing/2014/main" id="{69F1F2DC-07F7-0037-8632-F7687ACBC31B}"/>
+                <a16:creationId xmlns:a16="http://schemas.microsoft.com/office/drawing/2014/main" id="{A6463C0A-5DFB-1827-81EC-5B14C1EEDA6E}"/>
               </a:ext>
             </a:extLst>
           </p:cNvPr>
@@ -377,7 +377,7 @@
           <p:cNvPr id="3" name="竖排文字占位符 2">
             <a:extLst>
               <a:ext uri="{FF2B5EF4-FFF2-40B4-BE49-F238E27FC236}">
-                <a16:creationId xmlns:a16="http://schemas.microsoft.com/office/drawing/2014/main" id="{A7DC9AB3-C061-498C-3B1F-76FA1F446988}"/>
+                <a16:creationId xmlns:a16="http://schemas.microsoft.com/office/drawing/2014/main" id="{1F071A8A-B061-C738-A958-A3C3448FBB91}"/>
               </a:ext>
             </a:extLst>
           </p:cNvPr>
@@ -434,7 +434,7 @@
           <p:cNvPr id="4" name="日期占位符 3">
             <a:extLst>
               <a:ext uri="{FF2B5EF4-FFF2-40B4-BE49-F238E27FC236}">
-                <a16:creationId xmlns:a16="http://schemas.microsoft.com/office/drawing/2014/main" id="{7BB98B95-8A6A-A023-B162-359A4B15829D}"/>
+                <a16:creationId xmlns:a16="http://schemas.microsoft.com/office/drawing/2014/main" id="{CEAECE8A-930C-0F35-5B1F-C24C96EA26F1}"/>
               </a:ext>
             </a:extLst>
           </p:cNvPr>
@@ -450,7 +450,7 @@
           <a:bodyPr/>
           <a:lstStyle/>
           <a:p>
-            <a:fld id="{D2705F65-A8D3-4A6F-A067-002A278C224C}" type="datetimeFigureOut">
+            <a:fld id="{6B5E9A5A-5566-49E6-A9EB-147B08505195}" type="datetimeFigureOut">
               <a:rPr lang="zh-CN" altLang="en-US" smtClean="0"/>
               <a:t>2024/3/10</a:t>
             </a:fld>
@@ -463,7 +463,7 @@
           <p:cNvPr id="5" name="页脚占位符 4">
             <a:extLst>
               <a:ext uri="{FF2B5EF4-FFF2-40B4-BE49-F238E27FC236}">
-                <a16:creationId xmlns:a16="http://schemas.microsoft.com/office/drawing/2014/main" id="{1FCC3DE6-F698-10DE-EFE5-FA7F8B8A135E}"/>
+                <a16:creationId xmlns:a16="http://schemas.microsoft.com/office/drawing/2014/main" id="{302222CD-2547-AAC8-058E-87EA88388B94}"/>
               </a:ext>
             </a:extLst>
           </p:cNvPr>
@@ -488,7 +488,7 @@
           <p:cNvPr id="6" name="灯片编号占位符 5">
             <a:extLst>
               <a:ext uri="{FF2B5EF4-FFF2-40B4-BE49-F238E27FC236}">
-                <a16:creationId xmlns:a16="http://schemas.microsoft.com/office/drawing/2014/main" id="{8FA4A92B-1679-52C7-0334-3F5E47A7BCF5}"/>
+                <a16:creationId xmlns:a16="http://schemas.microsoft.com/office/drawing/2014/main" id="{4758D5B1-F43E-5AE3-8915-D1C00DC06374}"/>
               </a:ext>
             </a:extLst>
           </p:cNvPr>
@@ -504,7 +504,7 @@
           <a:bodyPr/>
           <a:lstStyle/>
           <a:p>
-            <a:fld id="{382EC6F1-7937-4360-B7C5-AA26026CAB70}" type="slidenum">
+            <a:fld id="{7C6620F6-79AE-4275-94A7-62EB65E7CE39}" type="slidenum">
               <a:rPr lang="zh-CN" altLang="en-US" smtClean="0"/>
               <a:t>‹#›</a:t>
             </a:fld>
@@ -515,7 +515,7 @@
     </p:spTree>
     <p:extLst>
       <p:ext uri="{BB962C8B-B14F-4D97-AF65-F5344CB8AC3E}">
-        <p14:creationId xmlns:p14="http://schemas.microsoft.com/office/powerpoint/2010/main" val="2246593431"/>
+        <p14:creationId xmlns:p14="http://schemas.microsoft.com/office/powerpoint/2010/main" val="2990327764"/>
       </p:ext>
     </p:extLst>
   </p:cSld>
@@ -547,7 +547,7 @@
           <p:cNvPr id="2" name="竖排标题 1">
             <a:extLst>
               <a:ext uri="{FF2B5EF4-FFF2-40B4-BE49-F238E27FC236}">
-                <a16:creationId xmlns:a16="http://schemas.microsoft.com/office/drawing/2014/main" id="{DAB31B8F-AFCF-5FB7-80B1-7D0DD6C42BE6}"/>
+                <a16:creationId xmlns:a16="http://schemas.microsoft.com/office/drawing/2014/main" id="{2CFB5CE2-3CC4-71C6-7D82-7CADE5FF8FDC}"/>
               </a:ext>
             </a:extLst>
           </p:cNvPr>
@@ -580,7 +580,7 @@
           <p:cNvPr id="3" name="竖排文字占位符 2">
             <a:extLst>
               <a:ext uri="{FF2B5EF4-FFF2-40B4-BE49-F238E27FC236}">
-                <a16:creationId xmlns:a16="http://schemas.microsoft.com/office/drawing/2014/main" id="{C118008F-30C8-FDE3-59FB-6BA5BBD5247A}"/>
+                <a16:creationId xmlns:a16="http://schemas.microsoft.com/office/drawing/2014/main" id="{5982F77F-1BC3-EC7E-291D-683A0CBD00AF}"/>
               </a:ext>
             </a:extLst>
           </p:cNvPr>
@@ -642,7 +642,7 @@
           <p:cNvPr id="4" name="日期占位符 3">
             <a:extLst>
               <a:ext uri="{FF2B5EF4-FFF2-40B4-BE49-F238E27FC236}">
-                <a16:creationId xmlns:a16="http://schemas.microsoft.com/office/drawing/2014/main" id="{F89E76B0-C743-9425-1E2A-4D7DDC06A1BE}"/>
+                <a16:creationId xmlns:a16="http://schemas.microsoft.com/office/drawing/2014/main" id="{48B43472-E37B-8058-3B70-7E9F4204B95E}"/>
               </a:ext>
             </a:extLst>
           </p:cNvPr>
@@ -658,7 +658,7 @@
           <a:bodyPr/>
           <a:lstStyle/>
           <a:p>
-            <a:fld id="{D2705F65-A8D3-4A6F-A067-002A278C224C}" type="datetimeFigureOut">
+            <a:fld id="{6B5E9A5A-5566-49E6-A9EB-147B08505195}" type="datetimeFigureOut">
               <a:rPr lang="zh-CN" altLang="en-US" smtClean="0"/>
               <a:t>2024/3/10</a:t>
             </a:fld>
@@ -671,7 +671,7 @@
           <p:cNvPr id="5" name="页脚占位符 4">
             <a:extLst>
               <a:ext uri="{FF2B5EF4-FFF2-40B4-BE49-F238E27FC236}">
-                <a16:creationId xmlns:a16="http://schemas.microsoft.com/office/drawing/2014/main" id="{6D01F8DC-5995-423E-07F8-0262685DFD30}"/>
+                <a16:creationId xmlns:a16="http://schemas.microsoft.com/office/drawing/2014/main" id="{1D268D12-71A5-F4FD-C8E8-6C7D0E93E546}"/>
               </a:ext>
             </a:extLst>
           </p:cNvPr>
@@ -696,7 +696,7 @@
           <p:cNvPr id="6" name="灯片编号占位符 5">
             <a:extLst>
               <a:ext uri="{FF2B5EF4-FFF2-40B4-BE49-F238E27FC236}">
-                <a16:creationId xmlns:a16="http://schemas.microsoft.com/office/drawing/2014/main" id="{D2E369B6-F79D-6AF1-1CA3-11D151EE0C04}"/>
+                <a16:creationId xmlns:a16="http://schemas.microsoft.com/office/drawing/2014/main" id="{14F8FE2E-245A-E20A-68AB-FE3D30F4B224}"/>
               </a:ext>
             </a:extLst>
           </p:cNvPr>
@@ -712,7 +712,7 @@
           <a:bodyPr/>
           <a:lstStyle/>
           <a:p>
-            <a:fld id="{382EC6F1-7937-4360-B7C5-AA26026CAB70}" type="slidenum">
+            <a:fld id="{7C6620F6-79AE-4275-94A7-62EB65E7CE39}" type="slidenum">
               <a:rPr lang="zh-CN" altLang="en-US" smtClean="0"/>
               <a:t>‹#›</a:t>
             </a:fld>
@@ -723,7 +723,7 @@
     </p:spTree>
     <p:extLst>
       <p:ext uri="{BB962C8B-B14F-4D97-AF65-F5344CB8AC3E}">
-        <p14:creationId xmlns:p14="http://schemas.microsoft.com/office/powerpoint/2010/main" val="2104635523"/>
+        <p14:creationId xmlns:p14="http://schemas.microsoft.com/office/powerpoint/2010/main" val="4139571894"/>
       </p:ext>
     </p:extLst>
   </p:cSld>
@@ -755,7 +755,7 @@
           <p:cNvPr id="2" name="标题 1">
             <a:extLst>
               <a:ext uri="{FF2B5EF4-FFF2-40B4-BE49-F238E27FC236}">
-                <a16:creationId xmlns:a16="http://schemas.microsoft.com/office/drawing/2014/main" id="{E166313B-F5A2-F1BE-F000-8AF95FA3F39D}"/>
+                <a16:creationId xmlns:a16="http://schemas.microsoft.com/office/drawing/2014/main" id="{7914E526-A115-AE88-8438-86DF4C4ECE2F}"/>
               </a:ext>
             </a:extLst>
           </p:cNvPr>
@@ -783,7 +783,7 @@
           <p:cNvPr id="3" name="内容占位符 2">
             <a:extLst>
               <a:ext uri="{FF2B5EF4-FFF2-40B4-BE49-F238E27FC236}">
-                <a16:creationId xmlns:a16="http://schemas.microsoft.com/office/drawing/2014/main" id="{56D13A62-837B-B5C0-50A4-5007DB91CEAD}"/>
+                <a16:creationId xmlns:a16="http://schemas.microsoft.com/office/drawing/2014/main" id="{33CF7F6A-A28E-2941-DDE1-CF63033328FD}"/>
               </a:ext>
             </a:extLst>
           </p:cNvPr>
@@ -840,7 +840,7 @@
           <p:cNvPr id="4" name="日期占位符 3">
             <a:extLst>
               <a:ext uri="{FF2B5EF4-FFF2-40B4-BE49-F238E27FC236}">
-                <a16:creationId xmlns:a16="http://schemas.microsoft.com/office/drawing/2014/main" id="{D88906CE-FDAD-E3E0-025C-1B933F437C30}"/>
+                <a16:creationId xmlns:a16="http://schemas.microsoft.com/office/drawing/2014/main" id="{E0177674-A2D6-ABE9-6389-DB5EF54905AC}"/>
               </a:ext>
             </a:extLst>
           </p:cNvPr>
@@ -856,7 +856,7 @@
           <a:bodyPr/>
           <a:lstStyle/>
           <a:p>
-            <a:fld id="{D2705F65-A8D3-4A6F-A067-002A278C224C}" type="datetimeFigureOut">
+            <a:fld id="{6B5E9A5A-5566-49E6-A9EB-147B08505195}" type="datetimeFigureOut">
               <a:rPr lang="zh-CN" altLang="en-US" smtClean="0"/>
               <a:t>2024/3/10</a:t>
             </a:fld>
@@ -869,7 +869,7 @@
           <p:cNvPr id="5" name="页脚占位符 4">
             <a:extLst>
               <a:ext uri="{FF2B5EF4-FFF2-40B4-BE49-F238E27FC236}">
-                <a16:creationId xmlns:a16="http://schemas.microsoft.com/office/drawing/2014/main" id="{3FE352FB-8873-1DEF-21C3-7DDB48132572}"/>
+                <a16:creationId xmlns:a16="http://schemas.microsoft.com/office/drawing/2014/main" id="{B8965617-9275-2789-1181-E8BAF7B4BF82}"/>
               </a:ext>
             </a:extLst>
           </p:cNvPr>
@@ -894,7 +894,7 @@
           <p:cNvPr id="6" name="灯片编号占位符 5">
             <a:extLst>
               <a:ext uri="{FF2B5EF4-FFF2-40B4-BE49-F238E27FC236}">
-                <a16:creationId xmlns:a16="http://schemas.microsoft.com/office/drawing/2014/main" id="{CB00D621-841B-361C-83A7-7090EE2E48DA}"/>
+                <a16:creationId xmlns:a16="http://schemas.microsoft.com/office/drawing/2014/main" id="{95582FE3-867A-C3CF-6888-75A2CCB0610F}"/>
               </a:ext>
             </a:extLst>
           </p:cNvPr>
@@ -910,7 +910,7 @@
           <a:bodyPr/>
           <a:lstStyle/>
           <a:p>
-            <a:fld id="{382EC6F1-7937-4360-B7C5-AA26026CAB70}" type="slidenum">
+            <a:fld id="{7C6620F6-79AE-4275-94A7-62EB65E7CE39}" type="slidenum">
               <a:rPr lang="zh-CN" altLang="en-US" smtClean="0"/>
               <a:t>‹#›</a:t>
             </a:fld>
@@ -921,7 +921,7 @@
     </p:spTree>
     <p:extLst>
       <p:ext uri="{BB962C8B-B14F-4D97-AF65-F5344CB8AC3E}">
-        <p14:creationId xmlns:p14="http://schemas.microsoft.com/office/powerpoint/2010/main" val="1845678059"/>
+        <p14:creationId xmlns:p14="http://schemas.microsoft.com/office/powerpoint/2010/main" val="2809433818"/>
       </p:ext>
     </p:extLst>
   </p:cSld>
@@ -953,7 +953,7 @@
           <p:cNvPr id="2" name="标题 1">
             <a:extLst>
               <a:ext uri="{FF2B5EF4-FFF2-40B4-BE49-F238E27FC236}">
-                <a16:creationId xmlns:a16="http://schemas.microsoft.com/office/drawing/2014/main" id="{051C245D-B71D-9C62-EEB8-57DCEAF131E7}"/>
+                <a16:creationId xmlns:a16="http://schemas.microsoft.com/office/drawing/2014/main" id="{69AC210F-FDEC-847B-E3BD-8AD5E5E07338}"/>
               </a:ext>
             </a:extLst>
           </p:cNvPr>
@@ -990,7 +990,7 @@
           <p:cNvPr id="3" name="文本占位符 2">
             <a:extLst>
               <a:ext uri="{FF2B5EF4-FFF2-40B4-BE49-F238E27FC236}">
-                <a16:creationId xmlns:a16="http://schemas.microsoft.com/office/drawing/2014/main" id="{E6D92503-612E-604D-293B-3989D73D74C1}"/>
+                <a16:creationId xmlns:a16="http://schemas.microsoft.com/office/drawing/2014/main" id="{75DFA377-86DC-0256-0970-F0D76AC8AC9B}"/>
               </a:ext>
             </a:extLst>
           </p:cNvPr>
@@ -1115,7 +1115,7 @@
           <p:cNvPr id="4" name="日期占位符 3">
             <a:extLst>
               <a:ext uri="{FF2B5EF4-FFF2-40B4-BE49-F238E27FC236}">
-                <a16:creationId xmlns:a16="http://schemas.microsoft.com/office/drawing/2014/main" id="{9645946A-1FF0-DB99-2AA2-99D04FF00A01}"/>
+                <a16:creationId xmlns:a16="http://schemas.microsoft.com/office/drawing/2014/main" id="{94C1222F-BCEA-BB00-E0F0-E809D82AC319}"/>
               </a:ext>
             </a:extLst>
           </p:cNvPr>
@@ -1131,7 +1131,7 @@
           <a:bodyPr/>
           <a:lstStyle/>
           <a:p>
-            <a:fld id="{D2705F65-A8D3-4A6F-A067-002A278C224C}" type="datetimeFigureOut">
+            <a:fld id="{6B5E9A5A-5566-49E6-A9EB-147B08505195}" type="datetimeFigureOut">
               <a:rPr lang="zh-CN" altLang="en-US" smtClean="0"/>
               <a:t>2024/3/10</a:t>
             </a:fld>
@@ -1144,7 +1144,7 @@
           <p:cNvPr id="5" name="页脚占位符 4">
             <a:extLst>
               <a:ext uri="{FF2B5EF4-FFF2-40B4-BE49-F238E27FC236}">
-                <a16:creationId xmlns:a16="http://schemas.microsoft.com/office/drawing/2014/main" id="{5A4069D5-9E17-EF57-1BC9-6BCBC0778151}"/>
+                <a16:creationId xmlns:a16="http://schemas.microsoft.com/office/drawing/2014/main" id="{91534718-AB0F-7AD4-8713-37D1E2C7B417}"/>
               </a:ext>
             </a:extLst>
           </p:cNvPr>
@@ -1169,7 +1169,7 @@
           <p:cNvPr id="6" name="灯片编号占位符 5">
             <a:extLst>
               <a:ext uri="{FF2B5EF4-FFF2-40B4-BE49-F238E27FC236}">
-                <a16:creationId xmlns:a16="http://schemas.microsoft.com/office/drawing/2014/main" id="{AD176B71-4165-C085-7734-87FFBC605893}"/>
+                <a16:creationId xmlns:a16="http://schemas.microsoft.com/office/drawing/2014/main" id="{E0E3FBA6-8DE1-1465-6B00-61C825ADAB72}"/>
               </a:ext>
             </a:extLst>
           </p:cNvPr>
@@ -1185,7 +1185,7 @@
           <a:bodyPr/>
           <a:lstStyle/>
           <a:p>
-            <a:fld id="{382EC6F1-7937-4360-B7C5-AA26026CAB70}" type="slidenum">
+            <a:fld id="{7C6620F6-79AE-4275-94A7-62EB65E7CE39}" type="slidenum">
               <a:rPr lang="zh-CN" altLang="en-US" smtClean="0"/>
               <a:t>‹#›</a:t>
             </a:fld>
@@ -1196,7 +1196,7 @@
     </p:spTree>
     <p:extLst>
       <p:ext uri="{BB962C8B-B14F-4D97-AF65-F5344CB8AC3E}">
-        <p14:creationId xmlns:p14="http://schemas.microsoft.com/office/powerpoint/2010/main" val="1829552683"/>
+        <p14:creationId xmlns:p14="http://schemas.microsoft.com/office/powerpoint/2010/main" val="1443402573"/>
       </p:ext>
     </p:extLst>
   </p:cSld>
@@ -1228,7 +1228,7 @@
           <p:cNvPr id="2" name="标题 1">
             <a:extLst>
               <a:ext uri="{FF2B5EF4-FFF2-40B4-BE49-F238E27FC236}">
-                <a16:creationId xmlns:a16="http://schemas.microsoft.com/office/drawing/2014/main" id="{568BF8D4-88CB-0875-9DA9-72174D4D9B32}"/>
+                <a16:creationId xmlns:a16="http://schemas.microsoft.com/office/drawing/2014/main" id="{A1420F18-A995-F60A-3B90-06C31224257A}"/>
               </a:ext>
             </a:extLst>
           </p:cNvPr>
@@ -1256,7 +1256,7 @@
           <p:cNvPr id="3" name="内容占位符 2">
             <a:extLst>
               <a:ext uri="{FF2B5EF4-FFF2-40B4-BE49-F238E27FC236}">
-                <a16:creationId xmlns:a16="http://schemas.microsoft.com/office/drawing/2014/main" id="{80A1B97C-BF94-5460-8BB8-59B11380AA1F}"/>
+                <a16:creationId xmlns:a16="http://schemas.microsoft.com/office/drawing/2014/main" id="{B4418800-F589-07CC-F286-9D9878BDEC04}"/>
               </a:ext>
             </a:extLst>
           </p:cNvPr>
@@ -1318,7 +1318,7 @@
           <p:cNvPr id="4" name="内容占位符 3">
             <a:extLst>
               <a:ext uri="{FF2B5EF4-FFF2-40B4-BE49-F238E27FC236}">
-                <a16:creationId xmlns:a16="http://schemas.microsoft.com/office/drawing/2014/main" id="{518DCF93-70BB-6363-D78F-565B8C678821}"/>
+                <a16:creationId xmlns:a16="http://schemas.microsoft.com/office/drawing/2014/main" id="{E5062A37-1F11-30D0-CCBD-2B25A083D8F0}"/>
               </a:ext>
             </a:extLst>
           </p:cNvPr>
@@ -1380,7 +1380,7 @@
           <p:cNvPr id="5" name="日期占位符 4">
             <a:extLst>
               <a:ext uri="{FF2B5EF4-FFF2-40B4-BE49-F238E27FC236}">
-                <a16:creationId xmlns:a16="http://schemas.microsoft.com/office/drawing/2014/main" id="{E33FC397-32F8-8619-700D-7780EADD2FE3}"/>
+                <a16:creationId xmlns:a16="http://schemas.microsoft.com/office/drawing/2014/main" id="{B6C69414-07BF-7424-3831-56971D114519}"/>
               </a:ext>
             </a:extLst>
           </p:cNvPr>
@@ -1396,7 +1396,7 @@
           <a:bodyPr/>
           <a:lstStyle/>
           <a:p>
-            <a:fld id="{D2705F65-A8D3-4A6F-A067-002A278C224C}" type="datetimeFigureOut">
+            <a:fld id="{6B5E9A5A-5566-49E6-A9EB-147B08505195}" type="datetimeFigureOut">
               <a:rPr lang="zh-CN" altLang="en-US" smtClean="0"/>
               <a:t>2024/3/10</a:t>
             </a:fld>
@@ -1409,7 +1409,7 @@
           <p:cNvPr id="6" name="页脚占位符 5">
             <a:extLst>
               <a:ext uri="{FF2B5EF4-FFF2-40B4-BE49-F238E27FC236}">
-                <a16:creationId xmlns:a16="http://schemas.microsoft.com/office/drawing/2014/main" id="{4CB66534-37D2-8470-0513-AA195F1D06F1}"/>
+                <a16:creationId xmlns:a16="http://schemas.microsoft.com/office/drawing/2014/main" id="{E3938C91-7EEC-EF36-EA45-5BD5004086E1}"/>
               </a:ext>
             </a:extLst>
           </p:cNvPr>
@@ -1434,7 +1434,7 @@
           <p:cNvPr id="7" name="灯片编号占位符 6">
             <a:extLst>
               <a:ext uri="{FF2B5EF4-FFF2-40B4-BE49-F238E27FC236}">
-                <a16:creationId xmlns:a16="http://schemas.microsoft.com/office/drawing/2014/main" id="{9041591A-AB97-3D40-5030-851E92A049BA}"/>
+                <a16:creationId xmlns:a16="http://schemas.microsoft.com/office/drawing/2014/main" id="{254B4A0D-E610-2656-FCC6-18D19B6C4B5E}"/>
               </a:ext>
             </a:extLst>
           </p:cNvPr>
@@ -1450,7 +1450,7 @@
           <a:bodyPr/>
           <a:lstStyle/>
           <a:p>
-            <a:fld id="{382EC6F1-7937-4360-B7C5-AA26026CAB70}" type="slidenum">
+            <a:fld id="{7C6620F6-79AE-4275-94A7-62EB65E7CE39}" type="slidenum">
               <a:rPr lang="zh-CN" altLang="en-US" smtClean="0"/>
               <a:t>‹#›</a:t>
             </a:fld>
@@ -1461,7 +1461,7 @@
     </p:spTree>
     <p:extLst>
       <p:ext uri="{BB962C8B-B14F-4D97-AF65-F5344CB8AC3E}">
-        <p14:creationId xmlns:p14="http://schemas.microsoft.com/office/powerpoint/2010/main" val="1397059560"/>
+        <p14:creationId xmlns:p14="http://schemas.microsoft.com/office/powerpoint/2010/main" val="3925404522"/>
       </p:ext>
     </p:extLst>
   </p:cSld>
@@ -1493,7 +1493,7 @@
           <p:cNvPr id="2" name="标题 1">
             <a:extLst>
               <a:ext uri="{FF2B5EF4-FFF2-40B4-BE49-F238E27FC236}">
-                <a16:creationId xmlns:a16="http://schemas.microsoft.com/office/drawing/2014/main" id="{C04122EA-4240-E25D-36DF-B6DB4924343C}"/>
+                <a16:creationId xmlns:a16="http://schemas.microsoft.com/office/drawing/2014/main" id="{6E1BAF4A-F586-AFEC-D5A4-63FC7013E19C}"/>
               </a:ext>
             </a:extLst>
           </p:cNvPr>
@@ -1526,7 +1526,7 @@
           <p:cNvPr id="3" name="文本占位符 2">
             <a:extLst>
               <a:ext uri="{FF2B5EF4-FFF2-40B4-BE49-F238E27FC236}">
-                <a16:creationId xmlns:a16="http://schemas.microsoft.com/office/drawing/2014/main" id="{2EC7F2EF-CCE6-F22C-E46E-A213C7EFE133}"/>
+                <a16:creationId xmlns:a16="http://schemas.microsoft.com/office/drawing/2014/main" id="{69ED9805-9C7C-1C85-7191-9A2B97EE9E25}"/>
               </a:ext>
             </a:extLst>
           </p:cNvPr>
@@ -1597,7 +1597,7 @@
           <p:cNvPr id="4" name="内容占位符 3">
             <a:extLst>
               <a:ext uri="{FF2B5EF4-FFF2-40B4-BE49-F238E27FC236}">
-                <a16:creationId xmlns:a16="http://schemas.microsoft.com/office/drawing/2014/main" id="{C7BCC77B-A3D5-9F34-2A7A-9659E57EB4CD}"/>
+                <a16:creationId xmlns:a16="http://schemas.microsoft.com/office/drawing/2014/main" id="{05D94720-352D-2EDA-5848-9FD3A816EDA7}"/>
               </a:ext>
             </a:extLst>
           </p:cNvPr>
@@ -1659,7 +1659,7 @@
           <p:cNvPr id="5" name="文本占位符 4">
             <a:extLst>
               <a:ext uri="{FF2B5EF4-FFF2-40B4-BE49-F238E27FC236}">
-                <a16:creationId xmlns:a16="http://schemas.microsoft.com/office/drawing/2014/main" id="{99859695-6572-F202-EE40-E70DE1181E08}"/>
+                <a16:creationId xmlns:a16="http://schemas.microsoft.com/office/drawing/2014/main" id="{68964957-0B98-2E10-6FDB-1EA2CD05C4C4}"/>
               </a:ext>
             </a:extLst>
           </p:cNvPr>
@@ -1730,7 +1730,7 @@
           <p:cNvPr id="6" name="内容占位符 5">
             <a:extLst>
               <a:ext uri="{FF2B5EF4-FFF2-40B4-BE49-F238E27FC236}">
-                <a16:creationId xmlns:a16="http://schemas.microsoft.com/office/drawing/2014/main" id="{23D69960-2BFF-E0D9-5FB9-72BF45E59CF1}"/>
+                <a16:creationId xmlns:a16="http://schemas.microsoft.com/office/drawing/2014/main" id="{ECA71495-0319-889C-B9E1-C4BA5430A4C2}"/>
               </a:ext>
             </a:extLst>
           </p:cNvPr>
@@ -1792,7 +1792,7 @@
           <p:cNvPr id="7" name="日期占位符 6">
             <a:extLst>
               <a:ext uri="{FF2B5EF4-FFF2-40B4-BE49-F238E27FC236}">
-                <a16:creationId xmlns:a16="http://schemas.microsoft.com/office/drawing/2014/main" id="{B3A846BF-73FA-1CA1-FDA1-CF6C246AB6D1}"/>
+                <a16:creationId xmlns:a16="http://schemas.microsoft.com/office/drawing/2014/main" id="{E1BCC9F4-9D67-047D-7B84-0F487C950E8A}"/>
               </a:ext>
             </a:extLst>
           </p:cNvPr>
@@ -1808,7 +1808,7 @@
           <a:bodyPr/>
           <a:lstStyle/>
           <a:p>
-            <a:fld id="{D2705F65-A8D3-4A6F-A067-002A278C224C}" type="datetimeFigureOut">
+            <a:fld id="{6B5E9A5A-5566-49E6-A9EB-147B08505195}" type="datetimeFigureOut">
               <a:rPr lang="zh-CN" altLang="en-US" smtClean="0"/>
               <a:t>2024/3/10</a:t>
             </a:fld>
@@ -1821,7 +1821,7 @@
           <p:cNvPr id="8" name="页脚占位符 7">
             <a:extLst>
               <a:ext uri="{FF2B5EF4-FFF2-40B4-BE49-F238E27FC236}">
-                <a16:creationId xmlns:a16="http://schemas.microsoft.com/office/drawing/2014/main" id="{5B8A393F-6611-C6A3-22AA-2D1E7DE214DD}"/>
+                <a16:creationId xmlns:a16="http://schemas.microsoft.com/office/drawing/2014/main" id="{7A955692-0A10-E343-DA26-86D919B37CCA}"/>
               </a:ext>
             </a:extLst>
           </p:cNvPr>
@@ -1846,7 +1846,7 @@
           <p:cNvPr id="9" name="灯片编号占位符 8">
             <a:extLst>
               <a:ext uri="{FF2B5EF4-FFF2-40B4-BE49-F238E27FC236}">
-                <a16:creationId xmlns:a16="http://schemas.microsoft.com/office/drawing/2014/main" id="{D22FCFB9-2BDC-4265-5D73-9931528F2607}"/>
+                <a16:creationId xmlns:a16="http://schemas.microsoft.com/office/drawing/2014/main" id="{2692F269-313A-C4EE-61F1-A8BA258F93A9}"/>
               </a:ext>
             </a:extLst>
           </p:cNvPr>
@@ -1862,7 +1862,7 @@
           <a:bodyPr/>
           <a:lstStyle/>
           <a:p>
-            <a:fld id="{382EC6F1-7937-4360-B7C5-AA26026CAB70}" type="slidenum">
+            <a:fld id="{7C6620F6-79AE-4275-94A7-62EB65E7CE39}" type="slidenum">
               <a:rPr lang="zh-CN" altLang="en-US" smtClean="0"/>
               <a:t>‹#›</a:t>
             </a:fld>
@@ -1873,7 +1873,7 @@
     </p:spTree>
     <p:extLst>
       <p:ext uri="{BB962C8B-B14F-4D97-AF65-F5344CB8AC3E}">
-        <p14:creationId xmlns:p14="http://schemas.microsoft.com/office/powerpoint/2010/main" val="1294233726"/>
+        <p14:creationId xmlns:p14="http://schemas.microsoft.com/office/powerpoint/2010/main" val="1186544687"/>
       </p:ext>
     </p:extLst>
   </p:cSld>
@@ -1905,7 +1905,7 @@
           <p:cNvPr id="2" name="标题 1">
             <a:extLst>
               <a:ext uri="{FF2B5EF4-FFF2-40B4-BE49-F238E27FC236}">
-                <a16:creationId xmlns:a16="http://schemas.microsoft.com/office/drawing/2014/main" id="{DD7D50F9-181F-6C14-8E78-A7B18DB46039}"/>
+                <a16:creationId xmlns:a16="http://schemas.microsoft.com/office/drawing/2014/main" id="{A3CF2314-073D-D13F-7723-BC31A9D9E10D}"/>
               </a:ext>
             </a:extLst>
           </p:cNvPr>
@@ -1933,7 +1933,7 @@
           <p:cNvPr id="3" name="日期占位符 2">
             <a:extLst>
               <a:ext uri="{FF2B5EF4-FFF2-40B4-BE49-F238E27FC236}">
-                <a16:creationId xmlns:a16="http://schemas.microsoft.com/office/drawing/2014/main" id="{0C4E67AC-7269-84BA-80A1-1281F569E90B}"/>
+                <a16:creationId xmlns:a16="http://schemas.microsoft.com/office/drawing/2014/main" id="{E5632087-C6DD-71D1-EFD8-EB77042C103E}"/>
               </a:ext>
             </a:extLst>
           </p:cNvPr>
@@ -1949,7 +1949,7 @@
           <a:bodyPr/>
           <a:lstStyle/>
           <a:p>
-            <a:fld id="{D2705F65-A8D3-4A6F-A067-002A278C224C}" type="datetimeFigureOut">
+            <a:fld id="{6B5E9A5A-5566-49E6-A9EB-147B08505195}" type="datetimeFigureOut">
               <a:rPr lang="zh-CN" altLang="en-US" smtClean="0"/>
               <a:t>2024/3/10</a:t>
             </a:fld>
@@ -1962,7 +1962,7 @@
           <p:cNvPr id="4" name="页脚占位符 3">
             <a:extLst>
               <a:ext uri="{FF2B5EF4-FFF2-40B4-BE49-F238E27FC236}">
-                <a16:creationId xmlns:a16="http://schemas.microsoft.com/office/drawing/2014/main" id="{AD39D42F-FBD2-AF29-7AE1-4FDF5B8537B0}"/>
+                <a16:creationId xmlns:a16="http://schemas.microsoft.com/office/drawing/2014/main" id="{B34673F5-2929-B9A8-60D5-9CC7428411A6}"/>
               </a:ext>
             </a:extLst>
           </p:cNvPr>
@@ -1987,7 +1987,7 @@
           <p:cNvPr id="5" name="灯片编号占位符 4">
             <a:extLst>
               <a:ext uri="{FF2B5EF4-FFF2-40B4-BE49-F238E27FC236}">
-                <a16:creationId xmlns:a16="http://schemas.microsoft.com/office/drawing/2014/main" id="{91B659CA-C388-689F-73B4-87F076A214FC}"/>
+                <a16:creationId xmlns:a16="http://schemas.microsoft.com/office/drawing/2014/main" id="{0ACFAF21-B3E4-2682-D324-032187BCDBE3}"/>
               </a:ext>
             </a:extLst>
           </p:cNvPr>
@@ -2003,7 +2003,7 @@
           <a:bodyPr/>
           <a:lstStyle/>
           <a:p>
-            <a:fld id="{382EC6F1-7937-4360-B7C5-AA26026CAB70}" type="slidenum">
+            <a:fld id="{7C6620F6-79AE-4275-94A7-62EB65E7CE39}" type="slidenum">
               <a:rPr lang="zh-CN" altLang="en-US" smtClean="0"/>
               <a:t>‹#›</a:t>
             </a:fld>
@@ -2014,7 +2014,7 @@
     </p:spTree>
     <p:extLst>
       <p:ext uri="{BB962C8B-B14F-4D97-AF65-F5344CB8AC3E}">
-        <p14:creationId xmlns:p14="http://schemas.microsoft.com/office/powerpoint/2010/main" val="1139932756"/>
+        <p14:creationId xmlns:p14="http://schemas.microsoft.com/office/powerpoint/2010/main" val="204323797"/>
       </p:ext>
     </p:extLst>
   </p:cSld>
@@ -2046,7 +2046,7 @@
           <p:cNvPr id="2" name="日期占位符 1">
             <a:extLst>
               <a:ext uri="{FF2B5EF4-FFF2-40B4-BE49-F238E27FC236}">
-                <a16:creationId xmlns:a16="http://schemas.microsoft.com/office/drawing/2014/main" id="{B1D8E263-327D-0FCA-6FAB-62B9D4CDA84C}"/>
+                <a16:creationId xmlns:a16="http://schemas.microsoft.com/office/drawing/2014/main" id="{D998EA6F-CC82-FBF5-5A97-7562F142D4D1}"/>
               </a:ext>
             </a:extLst>
           </p:cNvPr>
@@ -2062,7 +2062,7 @@
           <a:bodyPr/>
           <a:lstStyle/>
           <a:p>
-            <a:fld id="{D2705F65-A8D3-4A6F-A067-002A278C224C}" type="datetimeFigureOut">
+            <a:fld id="{6B5E9A5A-5566-49E6-A9EB-147B08505195}" type="datetimeFigureOut">
               <a:rPr lang="zh-CN" altLang="en-US" smtClean="0"/>
               <a:t>2024/3/10</a:t>
             </a:fld>
@@ -2075,7 +2075,7 @@
           <p:cNvPr id="3" name="页脚占位符 2">
             <a:extLst>
               <a:ext uri="{FF2B5EF4-FFF2-40B4-BE49-F238E27FC236}">
-                <a16:creationId xmlns:a16="http://schemas.microsoft.com/office/drawing/2014/main" id="{E62D1395-A81F-F8E2-E390-2483EB507A0A}"/>
+                <a16:creationId xmlns:a16="http://schemas.microsoft.com/office/drawing/2014/main" id="{266524B1-701C-E868-5C3E-80CE18C9B62C}"/>
               </a:ext>
             </a:extLst>
           </p:cNvPr>
@@ -2100,7 +2100,7 @@
           <p:cNvPr id="4" name="灯片编号占位符 3">
             <a:extLst>
               <a:ext uri="{FF2B5EF4-FFF2-40B4-BE49-F238E27FC236}">
-                <a16:creationId xmlns:a16="http://schemas.microsoft.com/office/drawing/2014/main" id="{CB38612A-5E0A-AB07-8A97-21A6A096C53A}"/>
+                <a16:creationId xmlns:a16="http://schemas.microsoft.com/office/drawing/2014/main" id="{1DF403A3-CDAE-5388-CB74-E6A679DC6680}"/>
               </a:ext>
             </a:extLst>
           </p:cNvPr>
@@ -2116,7 +2116,7 @@
           <a:bodyPr/>
           <a:lstStyle/>
           <a:p>
-            <a:fld id="{382EC6F1-7937-4360-B7C5-AA26026CAB70}" type="slidenum">
+            <a:fld id="{7C6620F6-79AE-4275-94A7-62EB65E7CE39}" type="slidenum">
               <a:rPr lang="zh-CN" altLang="en-US" smtClean="0"/>
               <a:t>‹#›</a:t>
             </a:fld>
@@ -2127,7 +2127,7 @@
     </p:spTree>
     <p:extLst>
       <p:ext uri="{BB962C8B-B14F-4D97-AF65-F5344CB8AC3E}">
-        <p14:creationId xmlns:p14="http://schemas.microsoft.com/office/powerpoint/2010/main" val="700563138"/>
+        <p14:creationId xmlns:p14="http://schemas.microsoft.com/office/powerpoint/2010/main" val="1904491370"/>
       </p:ext>
     </p:extLst>
   </p:cSld>
@@ -2159,7 +2159,7 @@
           <p:cNvPr id="2" name="标题 1">
             <a:extLst>
               <a:ext uri="{FF2B5EF4-FFF2-40B4-BE49-F238E27FC236}">
-                <a16:creationId xmlns:a16="http://schemas.microsoft.com/office/drawing/2014/main" id="{8FF1A546-E1D1-ABC5-ECA6-BF6B956C4B58}"/>
+                <a16:creationId xmlns:a16="http://schemas.microsoft.com/office/drawing/2014/main" id="{6F912CAB-DA8C-28A9-AA90-569767A3C965}"/>
               </a:ext>
             </a:extLst>
           </p:cNvPr>
@@ -2196,7 +2196,7 @@
           <p:cNvPr id="3" name="内容占位符 2">
             <a:extLst>
               <a:ext uri="{FF2B5EF4-FFF2-40B4-BE49-F238E27FC236}">
-                <a16:creationId xmlns:a16="http://schemas.microsoft.com/office/drawing/2014/main" id="{B34ADC0C-336B-AE9D-0979-F248176A403B}"/>
+                <a16:creationId xmlns:a16="http://schemas.microsoft.com/office/drawing/2014/main" id="{70FA449D-65DA-871D-A1BE-F43212040AA2}"/>
               </a:ext>
             </a:extLst>
           </p:cNvPr>
@@ -2286,7 +2286,7 @@
           <p:cNvPr id="4" name="文本占位符 3">
             <a:extLst>
               <a:ext uri="{FF2B5EF4-FFF2-40B4-BE49-F238E27FC236}">
-                <a16:creationId xmlns:a16="http://schemas.microsoft.com/office/drawing/2014/main" id="{55278C1F-F00A-A027-0704-2507358DAE7D}"/>
+                <a16:creationId xmlns:a16="http://schemas.microsoft.com/office/drawing/2014/main" id="{E052E36A-B684-62EE-807A-374EF96891FD}"/>
               </a:ext>
             </a:extLst>
           </p:cNvPr>
@@ -2357,7 +2357,7 @@
           <p:cNvPr id="5" name="日期占位符 4">
             <a:extLst>
               <a:ext uri="{FF2B5EF4-FFF2-40B4-BE49-F238E27FC236}">
-                <a16:creationId xmlns:a16="http://schemas.microsoft.com/office/drawing/2014/main" id="{9C528857-4A42-CE80-867E-B59AA50C129B}"/>
+                <a16:creationId xmlns:a16="http://schemas.microsoft.com/office/drawing/2014/main" id="{A2975BA1-9DCF-5C71-0559-1A0DDE3ED50E}"/>
               </a:ext>
             </a:extLst>
           </p:cNvPr>
@@ -2373,7 +2373,7 @@
           <a:bodyPr/>
           <a:lstStyle/>
           <a:p>
-            <a:fld id="{D2705F65-A8D3-4A6F-A067-002A278C224C}" type="datetimeFigureOut">
+            <a:fld id="{6B5E9A5A-5566-49E6-A9EB-147B08505195}" type="datetimeFigureOut">
               <a:rPr lang="zh-CN" altLang="en-US" smtClean="0"/>
               <a:t>2024/3/10</a:t>
             </a:fld>
@@ -2386,7 +2386,7 @@
           <p:cNvPr id="6" name="页脚占位符 5">
             <a:extLst>
               <a:ext uri="{FF2B5EF4-FFF2-40B4-BE49-F238E27FC236}">
-                <a16:creationId xmlns:a16="http://schemas.microsoft.com/office/drawing/2014/main" id="{1ECD80AB-1989-53DE-12E6-1A507E29FF46}"/>
+                <a16:creationId xmlns:a16="http://schemas.microsoft.com/office/drawing/2014/main" id="{6B1A9FF7-EBF1-4E7F-0805-27388EAE6F1B}"/>
               </a:ext>
             </a:extLst>
           </p:cNvPr>
@@ -2411,7 +2411,7 @@
           <p:cNvPr id="7" name="灯片编号占位符 6">
             <a:extLst>
               <a:ext uri="{FF2B5EF4-FFF2-40B4-BE49-F238E27FC236}">
-                <a16:creationId xmlns:a16="http://schemas.microsoft.com/office/drawing/2014/main" id="{F28CCEAB-0B05-D872-7297-4FABEEC460F4}"/>
+                <a16:creationId xmlns:a16="http://schemas.microsoft.com/office/drawing/2014/main" id="{7E5DE335-3FAB-A2AC-52B9-9A0B455C7337}"/>
               </a:ext>
             </a:extLst>
           </p:cNvPr>
@@ -2427,7 +2427,7 @@
           <a:bodyPr/>
           <a:lstStyle/>
           <a:p>
-            <a:fld id="{382EC6F1-7937-4360-B7C5-AA26026CAB70}" type="slidenum">
+            <a:fld id="{7C6620F6-79AE-4275-94A7-62EB65E7CE39}" type="slidenum">
               <a:rPr lang="zh-CN" altLang="en-US" smtClean="0"/>
               <a:t>‹#›</a:t>
             </a:fld>
@@ -2438,7 +2438,7 @@
     </p:spTree>
     <p:extLst>
       <p:ext uri="{BB962C8B-B14F-4D97-AF65-F5344CB8AC3E}">
-        <p14:creationId xmlns:p14="http://schemas.microsoft.com/office/powerpoint/2010/main" val="2305756957"/>
+        <p14:creationId xmlns:p14="http://schemas.microsoft.com/office/powerpoint/2010/main" val="3676708552"/>
       </p:ext>
     </p:extLst>
   </p:cSld>
@@ -2470,7 +2470,7 @@
           <p:cNvPr id="2" name="标题 1">
             <a:extLst>
               <a:ext uri="{FF2B5EF4-FFF2-40B4-BE49-F238E27FC236}">
-                <a16:creationId xmlns:a16="http://schemas.microsoft.com/office/drawing/2014/main" id="{24BF02AE-D61A-B54C-5294-252CF975ED14}"/>
+                <a16:creationId xmlns:a16="http://schemas.microsoft.com/office/drawing/2014/main" id="{7E857CDB-3313-6D81-E84D-4E5F98E0F2D0}"/>
               </a:ext>
             </a:extLst>
           </p:cNvPr>
@@ -2507,7 +2507,7 @@
           <p:cNvPr id="3" name="图片占位符 2">
             <a:extLst>
               <a:ext uri="{FF2B5EF4-FFF2-40B4-BE49-F238E27FC236}">
-                <a16:creationId xmlns:a16="http://schemas.microsoft.com/office/drawing/2014/main" id="{217B79A0-D99C-46A9-6A07-F40B03D60339}"/>
+                <a16:creationId xmlns:a16="http://schemas.microsoft.com/office/drawing/2014/main" id="{DF905508-A5B3-FBE9-545B-FE6C0A1A0340}"/>
               </a:ext>
             </a:extLst>
           </p:cNvPr>
@@ -2574,7 +2574,7 @@
           <p:cNvPr id="4" name="文本占位符 3">
             <a:extLst>
               <a:ext uri="{FF2B5EF4-FFF2-40B4-BE49-F238E27FC236}">
-                <a16:creationId xmlns:a16="http://schemas.microsoft.com/office/drawing/2014/main" id="{FFE69916-5AD3-BD72-D3E1-EC0980EF1591}"/>
+                <a16:creationId xmlns:a16="http://schemas.microsoft.com/office/drawing/2014/main" id="{C81B383F-A79A-9E84-3EDA-0A2B41A5D440}"/>
               </a:ext>
             </a:extLst>
           </p:cNvPr>
@@ -2645,7 +2645,7 @@
           <p:cNvPr id="5" name="日期占位符 4">
             <a:extLst>
               <a:ext uri="{FF2B5EF4-FFF2-40B4-BE49-F238E27FC236}">
-                <a16:creationId xmlns:a16="http://schemas.microsoft.com/office/drawing/2014/main" id="{C880250D-5734-9572-8C95-B1B4C8819D0F}"/>
+                <a16:creationId xmlns:a16="http://schemas.microsoft.com/office/drawing/2014/main" id="{D88ACC6B-6441-D536-C8E5-1FD5828C4B27}"/>
               </a:ext>
             </a:extLst>
           </p:cNvPr>
@@ -2661,7 +2661,7 @@
           <a:bodyPr/>
           <a:lstStyle/>
           <a:p>
-            <a:fld id="{D2705F65-A8D3-4A6F-A067-002A278C224C}" type="datetimeFigureOut">
+            <a:fld id="{6B5E9A5A-5566-49E6-A9EB-147B08505195}" type="datetimeFigureOut">
               <a:rPr lang="zh-CN" altLang="en-US" smtClean="0"/>
               <a:t>2024/3/10</a:t>
             </a:fld>
@@ -2674,7 +2674,7 @@
           <p:cNvPr id="6" name="页脚占位符 5">
             <a:extLst>
               <a:ext uri="{FF2B5EF4-FFF2-40B4-BE49-F238E27FC236}">
-                <a16:creationId xmlns:a16="http://schemas.microsoft.com/office/drawing/2014/main" id="{EFBDF2FA-484A-7ABB-5F42-CBA59D580BBB}"/>
+                <a16:creationId xmlns:a16="http://schemas.microsoft.com/office/drawing/2014/main" id="{3A00C727-0214-55C1-AA07-0A1C390BC3E5}"/>
               </a:ext>
             </a:extLst>
           </p:cNvPr>
@@ -2699,7 +2699,7 @@
           <p:cNvPr id="7" name="灯片编号占位符 6">
             <a:extLst>
               <a:ext uri="{FF2B5EF4-FFF2-40B4-BE49-F238E27FC236}">
-                <a16:creationId xmlns:a16="http://schemas.microsoft.com/office/drawing/2014/main" id="{7674E4E6-CFCD-CF95-DCB1-235996D1AB06}"/>
+                <a16:creationId xmlns:a16="http://schemas.microsoft.com/office/drawing/2014/main" id="{5055D0EA-E60B-B82F-E5EE-E6C403049695}"/>
               </a:ext>
             </a:extLst>
           </p:cNvPr>
@@ -2715,7 +2715,7 @@
           <a:bodyPr/>
           <a:lstStyle/>
           <a:p>
-            <a:fld id="{382EC6F1-7937-4360-B7C5-AA26026CAB70}" type="slidenum">
+            <a:fld id="{7C6620F6-79AE-4275-94A7-62EB65E7CE39}" type="slidenum">
               <a:rPr lang="zh-CN" altLang="en-US" smtClean="0"/>
               <a:t>‹#›</a:t>
             </a:fld>
@@ -2726,7 +2726,7 @@
     </p:spTree>
     <p:extLst>
       <p:ext uri="{BB962C8B-B14F-4D97-AF65-F5344CB8AC3E}">
-        <p14:creationId xmlns:p14="http://schemas.microsoft.com/office/powerpoint/2010/main" val="1293692262"/>
+        <p14:creationId xmlns:p14="http://schemas.microsoft.com/office/powerpoint/2010/main" val="3170234913"/>
       </p:ext>
     </p:extLst>
   </p:cSld>
@@ -2763,7 +2763,7 @@
           <p:cNvPr id="2" name="标题占位符 1">
             <a:extLst>
               <a:ext uri="{FF2B5EF4-FFF2-40B4-BE49-F238E27FC236}">
-                <a16:creationId xmlns:a16="http://schemas.microsoft.com/office/drawing/2014/main" id="{5246BF6D-9AC2-0027-F1DB-1336296F5227}"/>
+                <a16:creationId xmlns:a16="http://schemas.microsoft.com/office/drawing/2014/main" id="{DCE3FDA6-F891-A9EB-1C70-F1B09EFD7B61}"/>
               </a:ext>
             </a:extLst>
           </p:cNvPr>
@@ -2801,7 +2801,7 @@
           <p:cNvPr id="3" name="文本占位符 2">
             <a:extLst>
               <a:ext uri="{FF2B5EF4-FFF2-40B4-BE49-F238E27FC236}">
-                <a16:creationId xmlns:a16="http://schemas.microsoft.com/office/drawing/2014/main" id="{3178E415-8CF7-C2B4-64F3-8A9D151F93E9}"/>
+                <a16:creationId xmlns:a16="http://schemas.microsoft.com/office/drawing/2014/main" id="{04408519-7AE6-FFED-5272-1EB74F9C861A}"/>
               </a:ext>
             </a:extLst>
           </p:cNvPr>
@@ -2868,7 +2868,7 @@
           <p:cNvPr id="4" name="日期占位符 3">
             <a:extLst>
               <a:ext uri="{FF2B5EF4-FFF2-40B4-BE49-F238E27FC236}">
-                <a16:creationId xmlns:a16="http://schemas.microsoft.com/office/drawing/2014/main" id="{C954D3C9-0AA7-24FB-3DC9-63CAC681B4E0}"/>
+                <a16:creationId xmlns:a16="http://schemas.microsoft.com/office/drawing/2014/main" id="{D6319DF5-5D11-9D99-C591-CF936E1B8B50}"/>
               </a:ext>
             </a:extLst>
           </p:cNvPr>
@@ -2902,7 +2902,7 @@
             </a:lvl1pPr>
           </a:lstStyle>
           <a:p>
-            <a:fld id="{D2705F65-A8D3-4A6F-A067-002A278C224C}" type="datetimeFigureOut">
+            <a:fld id="{6B5E9A5A-5566-49E6-A9EB-147B08505195}" type="datetimeFigureOut">
               <a:rPr lang="zh-CN" altLang="en-US" smtClean="0"/>
               <a:t>2024/3/10</a:t>
             </a:fld>
@@ -2915,7 +2915,7 @@
           <p:cNvPr id="5" name="页脚占位符 4">
             <a:extLst>
               <a:ext uri="{FF2B5EF4-FFF2-40B4-BE49-F238E27FC236}">
-                <a16:creationId xmlns:a16="http://schemas.microsoft.com/office/drawing/2014/main" id="{D7B44054-0C8D-29B3-A8D9-D330B47075F4}"/>
+                <a16:creationId xmlns:a16="http://schemas.microsoft.com/office/drawing/2014/main" id="{AAE63B52-FA96-2876-4155-6C2F765A90C6}"/>
               </a:ext>
             </a:extLst>
           </p:cNvPr>
@@ -2958,7 +2958,7 @@
           <p:cNvPr id="6" name="灯片编号占位符 5">
             <a:extLst>
               <a:ext uri="{FF2B5EF4-FFF2-40B4-BE49-F238E27FC236}">
-                <a16:creationId xmlns:a16="http://schemas.microsoft.com/office/drawing/2014/main" id="{4A89A984-AAF8-A1D1-2EB0-D1F3B0C89C48}"/>
+                <a16:creationId xmlns:a16="http://schemas.microsoft.com/office/drawing/2014/main" id="{FA196CDC-BD2A-4DB6-99A3-ED3FEEFDE1E6}"/>
               </a:ext>
             </a:extLst>
           </p:cNvPr>
@@ -2992,7 +2992,7 @@
             </a:lvl1pPr>
           </a:lstStyle>
           <a:p>
-            <a:fld id="{382EC6F1-7937-4360-B7C5-AA26026CAB70}" type="slidenum">
+            <a:fld id="{7C6620F6-79AE-4275-94A7-62EB65E7CE39}" type="slidenum">
               <a:rPr lang="zh-CN" altLang="en-US" smtClean="0"/>
               <a:t>‹#›</a:t>
             </a:fld>
@@ -3003,7 +3003,7 @@
     </p:spTree>
     <p:extLst>
       <p:ext uri="{BB962C8B-B14F-4D97-AF65-F5344CB8AC3E}">
-        <p14:creationId xmlns:p14="http://schemas.microsoft.com/office/powerpoint/2010/main" val="1325993284"/>
+        <p14:creationId xmlns:p14="http://schemas.microsoft.com/office/powerpoint/2010/main" val="2282708139"/>
       </p:ext>
     </p:extLst>
   </p:cSld>
@@ -3323,7 +3323,7 @@
       </p:grpSpPr>
       <p:pic>
         <p:nvPicPr>
-          <p:cNvPr id="491522" name="Picture 2" descr="479"/>
+          <p:cNvPr id="492546" name="Picture 2" descr="480"/>
           <p:cNvPicPr>
             <a:picLocks noChangeAspect="1" noChangeArrowheads="1"/>
           </p:cNvPicPr>
@@ -3375,11 +3375,158 @@
           </a:extLst>
         </p:spPr>
       </p:pic>
+      <p:pic>
+        <p:nvPicPr>
+          <p:cNvPr id="493571" name="Picture 3" descr="480-2"/>
+          <p:cNvPicPr>
+            <a:picLocks noChangeAspect="1" noChangeArrowheads="1"/>
+          </p:cNvPicPr>
+          <p:nvPr/>
+        </p:nvPicPr>
+        <p:blipFill>
+          <a:blip r:embed="rId3">
+            <a:extLst>
+              <a:ext uri="{28A0092B-C50C-407E-A947-70E740481C1C}">
+                <a14:useLocalDpi xmlns:a14="http://schemas.microsoft.com/office/drawing/2010/main" val="0"/>
+              </a:ext>
+            </a:extLst>
+          </a:blip>
+          <a:srcRect/>
+          <a:stretch>
+            <a:fillRect/>
+          </a:stretch>
+        </p:blipFill>
+        <p:spPr bwMode="auto">
+          <a:xfrm>
+            <a:off x="1524000" y="-11113"/>
+            <a:ext cx="9144000" cy="6842126"/>
+          </a:xfrm>
+          <a:prstGeom prst="rect">
+            <a:avLst/>
+          </a:prstGeom>
+          <a:noFill/>
+          <a:ln>
+            <a:noFill/>
+          </a:ln>
+          <a:effectLst/>
+          <a:extLst>
+            <a:ext uri="{909E8E84-426E-40DD-AFC4-6F175D3DCCD1}">
+              <a14:hiddenFill xmlns:a14="http://schemas.microsoft.com/office/drawing/2010/main">
+                <a:solidFill>
+                  <a:srgbClr val="FFFFFF"/>
+                </a:solidFill>
+              </a14:hiddenFill>
+            </a:ext>
+            <a:ext uri="{91240B29-F687-4F45-9708-019B960494DF}">
+              <a14:hiddenLine xmlns:a14="http://schemas.microsoft.com/office/drawing/2010/main" w="9525">
+                <a:solidFill>
+                  <a:srgbClr val="000000"/>
+                </a:solidFill>
+                <a:miter lim="800000"/>
+                <a:headEnd/>
+                <a:tailEnd/>
+              </a14:hiddenLine>
+            </a:ext>
+            <a:ext uri="{AF507438-7753-43E0-B8FC-AC1667EBCBE1}">
+              <a14:hiddenEffects xmlns:a14="http://schemas.microsoft.com/office/drawing/2010/main">
+                <a:effectLst>
+                  <a:outerShdw dist="35921" dir="2700000" algn="ctr" rotWithShape="0">
+                    <a:srgbClr val="808080"/>
+                  </a:outerShdw>
+                </a:effectLst>
+              </a14:hiddenEffects>
+            </a:ext>
+          </a:extLst>
+        </p:spPr>
+      </p:pic>
     </p:spTree>
   </p:cSld>
   <p:clrMapOvr>
     <a:masterClrMapping/>
   </p:clrMapOvr>
+  <p:timing>
+    <p:tnLst>
+      <p:par>
+        <p:cTn id="1" dur="indefinite" restart="never" nodeType="tmRoot">
+          <p:childTnLst>
+            <p:seq concurrent="1" nextAc="seek">
+              <p:cTn id="2" dur="indefinite" nodeType="mainSeq">
+                <p:childTnLst>
+                  <p:par>
+                    <p:cTn id="3" fill="hold" nodeType="clickPar">
+                      <p:stCondLst>
+                        <p:cond delay="indefinite"/>
+                      </p:stCondLst>
+                      <p:childTnLst>
+                        <p:par>
+                          <p:cTn id="4" fill="hold" nodeType="withGroup">
+                            <p:stCondLst>
+                              <p:cond delay="0"/>
+                            </p:stCondLst>
+                            <p:childTnLst>
+                              <p:par>
+                                <p:cTn id="5" presetID="10" presetClass="entr" presetSubtype="0" fill="hold" nodeType="clickEffect">
+                                  <p:stCondLst>
+                                    <p:cond delay="0"/>
+                                  </p:stCondLst>
+                                  <p:childTnLst>
+                                    <p:set>
+                                      <p:cBhvr>
+                                        <p:cTn id="6" dur="1" fill="hold">
+                                          <p:stCondLst>
+                                            <p:cond delay="0"/>
+                                          </p:stCondLst>
+                                        </p:cTn>
+                                        <p:tgtEl>
+                                          <p:spTgt spid="493571"/>
+                                        </p:tgtEl>
+                                        <p:attrNameLst>
+                                          <p:attrName>style.visibility</p:attrName>
+                                        </p:attrNameLst>
+                                      </p:cBhvr>
+                                      <p:to>
+                                        <p:strVal val="visible"/>
+                                      </p:to>
+                                    </p:set>
+                                    <p:animEffect transition="in" filter="fade">
+                                      <p:cBhvr>
+                                        <p:cTn id="7" dur="500"/>
+                                        <p:tgtEl>
+                                          <p:spTgt spid="493571"/>
+                                        </p:tgtEl>
+                                      </p:cBhvr>
+                                    </p:animEffect>
+                                  </p:childTnLst>
+                                </p:cTn>
+                              </p:par>
+                            </p:childTnLst>
+                          </p:cTn>
+                        </p:par>
+                      </p:childTnLst>
+                    </p:cTn>
+                  </p:par>
+                </p:childTnLst>
+              </p:cTn>
+              <p:prevCondLst>
+                <p:cond evt="onPrev" delay="0">
+                  <p:tgtEl>
+                    <p:sldTgt/>
+                  </p:tgtEl>
+                </p:cond>
+              </p:prevCondLst>
+              <p:nextCondLst>
+                <p:cond evt="onNext" delay="0">
+                  <p:tgtEl>
+                    <p:sldTgt/>
+                  </p:tgtEl>
+                </p:cond>
+              </p:nextCondLst>
+            </p:seq>
+          </p:childTnLst>
+        </p:cTn>
+      </p:par>
+    </p:tnLst>
+  </p:timing>
 </p:sld>
 </file>
 
